--- a/presentation.pptx
+++ b/presentation.pptx
@@ -12,6 +12,7 @@
     <p:sldId id="260" r:id="rId6"/>
     <p:sldId id="261" r:id="rId7"/>
     <p:sldId id="262" r:id="rId8"/>
+    <p:sldId id="263" r:id="rId9"/>
   </p:sldIdLst>
   <p:sldSz cx="12192000" cy="6858000"/>
   <p:notesSz cx="6858000" cy="9144000"/>
@@ -110,6 +111,11 @@
       </a:defRPr>
     </a:lvl9pPr>
   </p:defaultTextStyle>
+  <p:extLst>
+    <p:ext uri="{EFAFB233-063F-42B5-8137-9DF3F51BA10A}">
+      <p15:sldGuideLst xmlns:p15="http://schemas.microsoft.com/office/powerpoint/2012/main"/>
+    </p:ext>
+  </p:extLst>
 </p:presentation>
 </file>
 
@@ -260,7 +266,7 @@
           <a:p>
             <a:fld id="{78DF10F6-A759-4729-9A49-5F8C2B509554}" type="datetimeFigureOut">
               <a:rPr lang="zh-CN" altLang="en-US" smtClean="0"/>
-              <a:t>2025/7/22</a:t>
+              <a:t>2025/7/23</a:t>
             </a:fld>
             <a:endParaRPr lang="zh-CN" altLang="en-US"/>
           </a:p>
@@ -458,7 +464,7 @@
           <a:p>
             <a:fld id="{78DF10F6-A759-4729-9A49-5F8C2B509554}" type="datetimeFigureOut">
               <a:rPr lang="zh-CN" altLang="en-US" smtClean="0"/>
-              <a:t>2025/7/22</a:t>
+              <a:t>2025/7/23</a:t>
             </a:fld>
             <a:endParaRPr lang="zh-CN" altLang="en-US"/>
           </a:p>
@@ -666,7 +672,7 @@
           <a:p>
             <a:fld id="{78DF10F6-A759-4729-9A49-5F8C2B509554}" type="datetimeFigureOut">
               <a:rPr lang="zh-CN" altLang="en-US" smtClean="0"/>
-              <a:t>2025/7/22</a:t>
+              <a:t>2025/7/23</a:t>
             </a:fld>
             <a:endParaRPr lang="zh-CN" altLang="en-US"/>
           </a:p>
@@ -864,7 +870,7 @@
           <a:p>
             <a:fld id="{78DF10F6-A759-4729-9A49-5F8C2B509554}" type="datetimeFigureOut">
               <a:rPr lang="zh-CN" altLang="en-US" smtClean="0"/>
-              <a:t>2025/7/22</a:t>
+              <a:t>2025/7/23</a:t>
             </a:fld>
             <a:endParaRPr lang="zh-CN" altLang="en-US"/>
           </a:p>
@@ -1139,7 +1145,7 @@
           <a:p>
             <a:fld id="{78DF10F6-A759-4729-9A49-5F8C2B509554}" type="datetimeFigureOut">
               <a:rPr lang="zh-CN" altLang="en-US" smtClean="0"/>
-              <a:t>2025/7/22</a:t>
+              <a:t>2025/7/23</a:t>
             </a:fld>
             <a:endParaRPr lang="zh-CN" altLang="en-US"/>
           </a:p>
@@ -1404,7 +1410,7 @@
           <a:p>
             <a:fld id="{78DF10F6-A759-4729-9A49-5F8C2B509554}" type="datetimeFigureOut">
               <a:rPr lang="zh-CN" altLang="en-US" smtClean="0"/>
-              <a:t>2025/7/22</a:t>
+              <a:t>2025/7/23</a:t>
             </a:fld>
             <a:endParaRPr lang="zh-CN" altLang="en-US"/>
           </a:p>
@@ -1816,7 +1822,7 @@
           <a:p>
             <a:fld id="{78DF10F6-A759-4729-9A49-5F8C2B509554}" type="datetimeFigureOut">
               <a:rPr lang="zh-CN" altLang="en-US" smtClean="0"/>
-              <a:t>2025/7/22</a:t>
+              <a:t>2025/7/23</a:t>
             </a:fld>
             <a:endParaRPr lang="zh-CN" altLang="en-US"/>
           </a:p>
@@ -1957,7 +1963,7 @@
           <a:p>
             <a:fld id="{78DF10F6-A759-4729-9A49-5F8C2B509554}" type="datetimeFigureOut">
               <a:rPr lang="zh-CN" altLang="en-US" smtClean="0"/>
-              <a:t>2025/7/22</a:t>
+              <a:t>2025/7/23</a:t>
             </a:fld>
             <a:endParaRPr lang="zh-CN" altLang="en-US"/>
           </a:p>
@@ -2070,7 +2076,7 @@
           <a:p>
             <a:fld id="{78DF10F6-A759-4729-9A49-5F8C2B509554}" type="datetimeFigureOut">
               <a:rPr lang="zh-CN" altLang="en-US" smtClean="0"/>
-              <a:t>2025/7/22</a:t>
+              <a:t>2025/7/23</a:t>
             </a:fld>
             <a:endParaRPr lang="zh-CN" altLang="en-US"/>
           </a:p>
@@ -2381,7 +2387,7 @@
           <a:p>
             <a:fld id="{78DF10F6-A759-4729-9A49-5F8C2B509554}" type="datetimeFigureOut">
               <a:rPr lang="zh-CN" altLang="en-US" smtClean="0"/>
-              <a:t>2025/7/22</a:t>
+              <a:t>2025/7/23</a:t>
             </a:fld>
             <a:endParaRPr lang="zh-CN" altLang="en-US"/>
           </a:p>
@@ -2669,7 +2675,7 @@
           <a:p>
             <a:fld id="{78DF10F6-A759-4729-9A49-5F8C2B509554}" type="datetimeFigureOut">
               <a:rPr lang="zh-CN" altLang="en-US" smtClean="0"/>
-              <a:t>2025/7/22</a:t>
+              <a:t>2025/7/23</a:t>
             </a:fld>
             <a:endParaRPr lang="zh-CN" altLang="en-US"/>
           </a:p>
@@ -2910,7 +2916,7 @@
           <a:p>
             <a:fld id="{78DF10F6-A759-4729-9A49-5F8C2B509554}" type="datetimeFigureOut">
               <a:rPr lang="zh-CN" altLang="en-US" smtClean="0"/>
-              <a:t>2025/7/22</a:t>
+              <a:t>2025/7/23</a:t>
             </a:fld>
             <a:endParaRPr lang="zh-CN" altLang="en-US"/>
           </a:p>
@@ -3591,6 +3597,121 @@
       </p:sp>
       <p:pic>
         <p:nvPicPr>
+          <p:cNvPr id="9" name="图片 8">
+            <a:extLst>
+              <a:ext uri="{FF2B5EF4-FFF2-40B4-BE49-F238E27FC236}">
+                <a16:creationId xmlns:a16="http://schemas.microsoft.com/office/drawing/2014/main" id="{6C869670-652C-487A-9FFC-F82776AD2885}"/>
+              </a:ext>
+            </a:extLst>
+          </p:cNvPr>
+          <p:cNvPicPr>
+            <a:picLocks noChangeAspect="1"/>
+          </p:cNvPicPr>
+          <p:nvPr/>
+        </p:nvPicPr>
+        <p:blipFill rotWithShape="1">
+          <a:blip r:embed="rId2"/>
+          <a:srcRect l="11282" r="9420" b="26712"/>
+          <a:stretch/>
+        </p:blipFill>
+        <p:spPr>
+          <a:xfrm>
+            <a:off x="6190726" y="3774674"/>
+            <a:ext cx="5882617" cy="2718406"/>
+          </a:xfrm>
+          <a:prstGeom prst="rect">
+            <a:avLst/>
+          </a:prstGeom>
+        </p:spPr>
+      </p:pic>
+      <p:sp>
+        <p:nvSpPr>
+          <p:cNvPr id="10" name="矩形 9">
+            <a:extLst>
+              <a:ext uri="{FF2B5EF4-FFF2-40B4-BE49-F238E27FC236}">
+                <a16:creationId xmlns:a16="http://schemas.microsoft.com/office/drawing/2014/main" id="{1C26F09F-F345-42ED-9048-74E8EF61DC00}"/>
+              </a:ext>
+            </a:extLst>
+          </p:cNvPr>
+          <p:cNvSpPr/>
+          <p:nvPr/>
+        </p:nvSpPr>
+        <p:spPr>
+          <a:xfrm>
+            <a:off x="537677" y="4825863"/>
+            <a:ext cx="5463598" cy="1200329"/>
+          </a:xfrm>
+          <a:prstGeom prst="rect">
+            <a:avLst/>
+          </a:prstGeom>
+        </p:spPr>
+        <p:txBody>
+          <a:bodyPr wrap="square">
+            <a:spAutoFit/>
+          </a:bodyPr>
+          <a:lstStyle/>
+          <a:p>
+            <a:r>
+              <a:rPr lang="en-US" altLang="zh-CN" dirty="0"/>
+              <a:t>• </a:t>
+            </a:r>
+            <a:r>
+              <a:rPr lang="en-US" altLang="zh-CN" b="1" dirty="0"/>
+              <a:t>F </a:t>
+            </a:r>
+            <a:r>
+              <a:rPr lang="zh-CN" altLang="en-US" b="1" dirty="0"/>
+              <a:t>模型</a:t>
+            </a:r>
+            <a:r>
+              <a:rPr lang="zh-CN" altLang="en-US" dirty="0"/>
+              <a:t>：性格微调后显著强化 “抑郁” 偏好，</a:t>
+            </a:r>
+            <a:r>
+              <a:rPr lang="en-US" altLang="zh-CN" dirty="0"/>
+              <a:t>normal </a:t>
+            </a:r>
+            <a:r>
+              <a:rPr lang="zh-CN" altLang="en-US" dirty="0"/>
+              <a:t>比例大幅压缩。</a:t>
+            </a:r>
+            <a:br>
+              <a:rPr lang="zh-CN" altLang="en-US" dirty="0"/>
+            </a:br>
+            <a:r>
+              <a:rPr lang="en-US" altLang="zh-CN" dirty="0"/>
+              <a:t>• </a:t>
+            </a:r>
+            <a:r>
+              <a:rPr lang="en-US" altLang="zh-CN" b="1" dirty="0"/>
+              <a:t>T </a:t>
+            </a:r>
+            <a:r>
+              <a:rPr lang="zh-CN" altLang="en-US" b="1" dirty="0"/>
+              <a:t>模型</a:t>
+            </a:r>
+            <a:r>
+              <a:rPr lang="zh-CN" altLang="en-US" dirty="0"/>
+              <a:t>：仅小幅强化 “抑郁”，压缩 </a:t>
+            </a:r>
+            <a:r>
+              <a:rPr lang="en-US" altLang="zh-CN" dirty="0"/>
+              <a:t>normal </a:t>
+            </a:r>
+            <a:r>
+              <a:rPr lang="zh-CN" altLang="en-US" dirty="0"/>
+              <a:t>较温和，整体分布最接近 </a:t>
+            </a:r>
+            <a:r>
+              <a:rPr lang="en-US" altLang="zh-CN" dirty="0"/>
+              <a:t>Base</a:t>
+            </a:r>
+            <a:endParaRPr lang="zh-CN" altLang="en-US" dirty="0"/>
+          </a:p>
+        </p:txBody>
+      </p:sp>
+      <p:pic>
+        <p:nvPicPr>
           <p:cNvPr id="8" name="图片 7">
             <a:extLst>
               <a:ext uri="{FF2B5EF4-FFF2-40B4-BE49-F238E27FC236}">
@@ -3604,7 +3725,7 @@
           <p:nvPr/>
         </p:nvPicPr>
         <p:blipFill>
-          <a:blip r:embed="rId2"/>
+          <a:blip r:embed="rId3"/>
           <a:stretch>
             <a:fillRect/>
           </a:stretch>
@@ -3619,121 +3740,6 @@
           </a:prstGeom>
         </p:spPr>
       </p:pic>
-      <p:pic>
-        <p:nvPicPr>
-          <p:cNvPr id="9" name="图片 8">
-            <a:extLst>
-              <a:ext uri="{FF2B5EF4-FFF2-40B4-BE49-F238E27FC236}">
-                <a16:creationId xmlns:a16="http://schemas.microsoft.com/office/drawing/2014/main" id="{6C869670-652C-487A-9FFC-F82776AD2885}"/>
-              </a:ext>
-            </a:extLst>
-          </p:cNvPr>
-          <p:cNvPicPr>
-            <a:picLocks noChangeAspect="1"/>
-          </p:cNvPicPr>
-          <p:nvPr/>
-        </p:nvPicPr>
-        <p:blipFill rotWithShape="1">
-          <a:blip r:embed="rId3"/>
-          <a:srcRect l="11282" r="9420" b="26712"/>
-          <a:stretch/>
-        </p:blipFill>
-        <p:spPr>
-          <a:xfrm>
-            <a:off x="6190726" y="3774674"/>
-            <a:ext cx="5882617" cy="2718406"/>
-          </a:xfrm>
-          <a:prstGeom prst="rect">
-            <a:avLst/>
-          </a:prstGeom>
-        </p:spPr>
-      </p:pic>
-      <p:sp>
-        <p:nvSpPr>
-          <p:cNvPr id="10" name="矩形 9">
-            <a:extLst>
-              <a:ext uri="{FF2B5EF4-FFF2-40B4-BE49-F238E27FC236}">
-                <a16:creationId xmlns:a16="http://schemas.microsoft.com/office/drawing/2014/main" id="{1C26F09F-F345-42ED-9048-74E8EF61DC00}"/>
-              </a:ext>
-            </a:extLst>
-          </p:cNvPr>
-          <p:cNvSpPr/>
-          <p:nvPr/>
-        </p:nvSpPr>
-        <p:spPr>
-          <a:xfrm>
-            <a:off x="537677" y="4825863"/>
-            <a:ext cx="5463598" cy="1200329"/>
-          </a:xfrm>
-          <a:prstGeom prst="rect">
-            <a:avLst/>
-          </a:prstGeom>
-        </p:spPr>
-        <p:txBody>
-          <a:bodyPr wrap="square">
-            <a:spAutoFit/>
-          </a:bodyPr>
-          <a:lstStyle/>
-          <a:p>
-            <a:r>
-              <a:rPr lang="en-US" altLang="zh-CN" dirty="0"/>
-              <a:t>• </a:t>
-            </a:r>
-            <a:r>
-              <a:rPr lang="en-US" altLang="zh-CN" b="1" dirty="0"/>
-              <a:t>F </a:t>
-            </a:r>
-            <a:r>
-              <a:rPr lang="zh-CN" altLang="en-US" b="1" dirty="0"/>
-              <a:t>模型</a:t>
-            </a:r>
-            <a:r>
-              <a:rPr lang="zh-CN" altLang="en-US" dirty="0"/>
-              <a:t>：性格微调后显著强化 “抑郁” 偏好，</a:t>
-            </a:r>
-            <a:r>
-              <a:rPr lang="en-US" altLang="zh-CN" dirty="0"/>
-              <a:t>normal </a:t>
-            </a:r>
-            <a:r>
-              <a:rPr lang="zh-CN" altLang="en-US" dirty="0"/>
-              <a:t>比例大幅压缩。</a:t>
-            </a:r>
-            <a:br>
-              <a:rPr lang="zh-CN" altLang="en-US" dirty="0"/>
-            </a:br>
-            <a:r>
-              <a:rPr lang="en-US" altLang="zh-CN" dirty="0"/>
-              <a:t>• </a:t>
-            </a:r>
-            <a:r>
-              <a:rPr lang="en-US" altLang="zh-CN" b="1" dirty="0"/>
-              <a:t>T </a:t>
-            </a:r>
-            <a:r>
-              <a:rPr lang="zh-CN" altLang="en-US" b="1" dirty="0"/>
-              <a:t>模型</a:t>
-            </a:r>
-            <a:r>
-              <a:rPr lang="zh-CN" altLang="en-US" dirty="0"/>
-              <a:t>：仅小幅强化 “抑郁”，压缩 </a:t>
-            </a:r>
-            <a:r>
-              <a:rPr lang="en-US" altLang="zh-CN" dirty="0"/>
-              <a:t>normal </a:t>
-            </a:r>
-            <a:r>
-              <a:rPr lang="zh-CN" altLang="en-US" dirty="0"/>
-              <a:t>较温和，整体分布最接近 </a:t>
-            </a:r>
-            <a:r>
-              <a:rPr lang="en-US" altLang="zh-CN" dirty="0"/>
-              <a:t>Base</a:t>
-            </a:r>
-            <a:endParaRPr lang="zh-CN" altLang="en-US" dirty="0"/>
-          </a:p>
-        </p:txBody>
-      </p:sp>
     </p:spTree>
     <p:extLst>
       <p:ext uri="{BB962C8B-B14F-4D97-AF65-F5344CB8AC3E}">
@@ -5094,7 +5100,7 @@
                     <a:lstStyle/>
                     <a:p>
                       <a:r>
-                        <a:rPr lang="en-US" altLang="zh-CN"/>
+                        <a:rPr lang="en-US" altLang="zh-CN" dirty="0"/>
                         <a:t>0.0328</a:t>
                       </a:r>
                     </a:p>
@@ -5258,7 +5264,7 @@
                     <a:lstStyle/>
                     <a:p>
                       <a:r>
-                        <a:rPr lang="en-US" altLang="zh-CN"/>
+                        <a:rPr lang="en-US" altLang="zh-CN" dirty="0"/>
                         <a:t>0.0049</a:t>
                       </a:r>
                     </a:p>
@@ -6091,7 +6097,7 @@
             </a:r>
             <a:r>
               <a:rPr lang="zh-CN" altLang="en-US" b="1" dirty="0"/>
-              <a:t>高于 </a:t>
+              <a:t>略高于 </a:t>
             </a:r>
             <a:r>
               <a:rPr lang="en-US" altLang="zh-CN" b="1" dirty="0"/>
@@ -6179,11 +6185,11 @@
           <a:p>
             <a:r>
               <a:rPr lang="zh-CN" altLang="en-US" b="1" dirty="0"/>
-              <a:t>从</a:t>
+              <a:t>从 </a:t>
             </a:r>
             <a:r>
               <a:rPr lang="en-US" altLang="zh-CN" b="1" dirty="0"/>
-              <a:t>KL </a:t>
+              <a:t>KL </a:t>
             </a:r>
             <a:r>
               <a:rPr lang="zh-CN" altLang="en-US" b="1" dirty="0"/>
@@ -6191,7 +6197,7 @@
             </a:r>
             <a:r>
               <a:rPr lang="en-US" altLang="zh-CN" b="1" dirty="0"/>
-              <a:t>F </a:t>
+              <a:t>T </a:t>
             </a:r>
             <a:r>
               <a:rPr lang="zh-CN" altLang="en-US" b="1" dirty="0"/>
@@ -6199,25 +6205,66 @@
             </a:r>
             <a:r>
               <a:rPr lang="en-US" altLang="zh-CN" b="1" dirty="0"/>
-              <a:t>T </a:t>
+              <a:t>F </a:t>
             </a:r>
             <a:r>
               <a:rPr lang="zh-CN" altLang="en-US" b="1" dirty="0"/>
-              <a:t>相对收敛</a:t>
-            </a:r>
-          </a:p>
-          <a:p>
-            <a:pPr>
-              <a:buFont typeface="Arial" panose="020B0604020202020204" pitchFamily="34" charset="0"/>
-              <a:buChar char="•"/>
-            </a:pPr>
+              <a:t>相对保守</a:t>
+            </a:r>
+            <a:endParaRPr lang="zh-CN" altLang="en-US" dirty="0"/>
+          </a:p>
+          <a:p>
+            <a:r>
+              <a:rPr lang="en-US" altLang="zh-CN" b="1" dirty="0"/>
+              <a:t>T </a:t>
+            </a:r>
+            <a:r>
+              <a:rPr lang="zh-CN" altLang="en-US" b="1" dirty="0"/>
+              <a:t>模型</a:t>
+            </a:r>
+            <a:r>
+              <a:rPr lang="zh-CN" altLang="en-US" dirty="0"/>
+              <a:t>在四个数据集的 </a:t>
+            </a:r>
             <a:r>
               <a:rPr lang="en-US" altLang="zh-CN" dirty="0"/>
-              <a:t>F </a:t>
+              <a:t>KL </a:t>
             </a:r>
             <a:r>
               <a:rPr lang="zh-CN" altLang="en-US" dirty="0"/>
-              <a:t>模型在大多数数据集上相较 </a:t>
+              <a:t>散度均高于 </a:t>
+            </a:r>
+            <a:r>
+              <a:rPr lang="en-US" altLang="zh-CN" dirty="0"/>
+              <a:t>F </a:t>
+            </a:r>
+            <a:r>
+              <a:rPr lang="zh-CN" altLang="en-US" dirty="0"/>
+              <a:t>模型，说明 </a:t>
+            </a:r>
+            <a:r>
+              <a:rPr lang="en-US" altLang="zh-CN" dirty="0"/>
+              <a:t>Thinking </a:t>
+            </a:r>
+            <a:r>
+              <a:rPr lang="zh-CN" altLang="en-US" dirty="0"/>
+              <a:t>性格</a:t>
+            </a:r>
+            <a:r>
+              <a:rPr lang="zh-CN" altLang="en-US" b="1" dirty="0"/>
+              <a:t>更易重塑标签分布</a:t>
+            </a:r>
+            <a:r>
+              <a:rPr lang="zh-CN" altLang="en-US" dirty="0"/>
+              <a:t>；</a:t>
+            </a:r>
+            <a:r>
+              <a:rPr lang="en-US" altLang="zh-CN" dirty="0"/>
+              <a:t>F </a:t>
+            </a:r>
+            <a:r>
+              <a:rPr lang="zh-CN" altLang="en-US" dirty="0"/>
+              <a:t>模型整体与 </a:t>
             </a:r>
             <a:r>
               <a:rPr lang="en-US" altLang="zh-CN" dirty="0"/>
@@ -6225,61 +6272,33 @@
             </a:r>
             <a:r>
               <a:rPr lang="zh-CN" altLang="en-US" dirty="0"/>
-              <a:t>的 </a:t>
+              <a:t>更接近。</a:t>
+            </a:r>
+          </a:p>
+          <a:p>
+            <a:r>
+              <a:rPr lang="zh-CN" altLang="en-US" dirty="0"/>
+              <a:t>大多数 </a:t>
+            </a:r>
+            <a:r>
+              <a:rPr lang="en-US" altLang="zh-CN" dirty="0"/>
+              <a:t>KL </a:t>
+            </a:r>
+            <a:r>
+              <a:rPr lang="zh-CN" altLang="en-US" dirty="0"/>
+              <a:t>值依旧 </a:t>
+            </a:r>
+            <a:r>
+              <a:rPr lang="zh-CN" altLang="en-US" b="1" dirty="0"/>
+              <a:t>低于 </a:t>
             </a:r>
             <a:r>
               <a:rPr lang="en-US" altLang="zh-CN" b="1" dirty="0"/>
-              <a:t>KL </a:t>
-            </a:r>
-            <a:r>
-              <a:rPr lang="zh-CN" altLang="en-US" b="1" dirty="0"/>
-              <a:t>散度高于 </a:t>
-            </a:r>
-            <a:r>
-              <a:rPr lang="en-US" altLang="zh-CN" b="1" dirty="0"/>
-              <a:t>T </a:t>
-            </a:r>
-            <a:r>
-              <a:rPr lang="zh-CN" altLang="en-US" b="1" dirty="0"/>
-              <a:t>模型</a:t>
+              <a:t>0.05 bits</a:t>
             </a:r>
             <a:r>
               <a:rPr lang="zh-CN" altLang="en-US" dirty="0"/>
-              <a:t>，说明其输出分布与原始预测有更大偏移。</a:t>
-            </a:r>
-          </a:p>
-          <a:p>
-            <a:pPr>
-              <a:buFont typeface="Arial" panose="020B0604020202020204" pitchFamily="34" charset="0"/>
-              <a:buChar char="•"/>
-            </a:pPr>
-            <a:r>
-              <a:rPr lang="zh-CN" altLang="en-US" dirty="0"/>
-              <a:t>多数 </a:t>
-            </a:r>
-            <a:r>
-              <a:rPr lang="en-US" altLang="zh-CN" dirty="0"/>
-              <a:t>KL </a:t>
-            </a:r>
-            <a:r>
-              <a:rPr lang="zh-CN" altLang="en-US" dirty="0"/>
-              <a:t>值 </a:t>
-            </a:r>
-            <a:r>
-              <a:rPr lang="zh-CN" altLang="en-US" b="1" dirty="0"/>
-              <a:t>低于 </a:t>
-            </a:r>
-            <a:r>
-              <a:rPr lang="en-US" altLang="zh-CN" b="1" dirty="0"/>
-              <a:t>0.05 bits</a:t>
-            </a:r>
-            <a:r>
-              <a:rPr lang="zh-CN" altLang="en-US" dirty="0"/>
-              <a:t>，代表即使性格微调后，模型的预测结构整体变化仍属温和，</a:t>
-            </a:r>
-            <a:r>
-              <a:rPr lang="zh-CN" altLang="en-US" b="1" dirty="0"/>
-              <a:t>预测基础未被严重扰动。</a:t>
+              <a:t>，表明性格微调仅在分布上做“细调”，模型原有预测框架基本保持稳定；</a:t>
             </a:r>
           </a:p>
         </p:txBody>
@@ -6288,6 +6307,132 @@
     <p:extLst>
       <p:ext uri="{BB962C8B-B14F-4D97-AF65-F5344CB8AC3E}">
         <p14:creationId xmlns:p14="http://schemas.microsoft.com/office/powerpoint/2010/main" val="3552748095"/>
+      </p:ext>
+    </p:extLst>
+  </p:cSld>
+  <p:clrMapOvr>
+    <a:masterClrMapping/>
+  </p:clrMapOvr>
+</p:sld>
+</file>
+
+<file path=ppt/slides/slide8.xml><?xml version="1.0" encoding="utf-8"?>
+<p:sld xmlns:a="http://schemas.openxmlformats.org/drawingml/2006/main" xmlns:r="http://schemas.openxmlformats.org/officeDocument/2006/relationships" xmlns:p="http://schemas.openxmlformats.org/presentationml/2006/main">
+  <p:cSld>
+    <p:spTree>
+      <p:nvGrpSpPr>
+        <p:cNvPr id="1" name=""/>
+        <p:cNvGrpSpPr/>
+        <p:nvPr/>
+      </p:nvGrpSpPr>
+      <p:grpSpPr>
+        <a:xfrm>
+          <a:off x="0" y="0"/>
+          <a:ext cx="0" cy="0"/>
+          <a:chOff x="0" y="0"/>
+          <a:chExt cx="0" cy="0"/>
+        </a:xfrm>
+      </p:grpSpPr>
+      <p:sp>
+        <p:nvSpPr>
+          <p:cNvPr id="5" name="矩形 4">
+            <a:extLst>
+              <a:ext uri="{FF2B5EF4-FFF2-40B4-BE49-F238E27FC236}">
+                <a16:creationId xmlns:a16="http://schemas.microsoft.com/office/drawing/2014/main" id="{1BC3595B-93B5-4EF4-A2D1-94D5051063FA}"/>
+              </a:ext>
+            </a:extLst>
+          </p:cNvPr>
+          <p:cNvSpPr/>
+          <p:nvPr/>
+        </p:nvSpPr>
+        <p:spPr>
+          <a:xfrm>
+            <a:off x="1923875" y="1125546"/>
+            <a:ext cx="7597629" cy="2185214"/>
+          </a:xfrm>
+          <a:prstGeom prst="rect">
+            <a:avLst/>
+          </a:prstGeom>
+        </p:spPr>
+        <p:txBody>
+          <a:bodyPr wrap="square">
+            <a:spAutoFit/>
+          </a:bodyPr>
+          <a:lstStyle/>
+          <a:p>
+            <a:pPr algn="ctr"/>
+            <a:r>
+              <a:rPr lang="zh-CN" altLang="en-US" sz="2800" b="1" dirty="0"/>
+              <a:t>结论</a:t>
+            </a:r>
+            <a:endParaRPr lang="en-US" altLang="zh-CN" sz="2800" b="1" dirty="0"/>
+          </a:p>
+          <a:p>
+            <a:endParaRPr lang="zh-CN" altLang="en-US" b="1" dirty="0"/>
+          </a:p>
+          <a:p>
+            <a:pPr>
+              <a:buFont typeface="+mj-lt"/>
+              <a:buAutoNum type="arabicPeriod"/>
+            </a:pPr>
+            <a:r>
+              <a:rPr lang="en-US" altLang="zh-CN" b="1" dirty="0"/>
+              <a:t>Feeling </a:t>
+            </a:r>
+            <a:r>
+              <a:rPr lang="zh-CN" altLang="en-US" b="1" dirty="0"/>
+              <a:t>模型“发散且乐观”，但在复杂小数据集可能带来大幅分布重构。</a:t>
+            </a:r>
+            <a:endParaRPr lang="zh-CN" altLang="en-US" dirty="0"/>
+          </a:p>
+          <a:p>
+            <a:pPr>
+              <a:buFont typeface="+mj-lt"/>
+              <a:buAutoNum type="arabicPeriod"/>
+            </a:pPr>
+            <a:r>
+              <a:rPr lang="en-US" altLang="zh-CN" b="1" dirty="0"/>
+              <a:t>Thinking </a:t>
+            </a:r>
+            <a:r>
+              <a:rPr lang="zh-CN" altLang="en-US" b="1" dirty="0"/>
+              <a:t>整体“收敛且谨慎”，在常规任务上相对更偏离 </a:t>
+            </a:r>
+            <a:r>
+              <a:rPr lang="en-US" altLang="zh-CN" b="1" dirty="0"/>
+              <a:t>Base</a:t>
+            </a:r>
+            <a:r>
+              <a:rPr lang="zh-CN" altLang="en-US" b="1" dirty="0"/>
+              <a:t>、倾向负向或中立。</a:t>
+            </a:r>
+            <a:endParaRPr lang="zh-CN" altLang="en-US" dirty="0"/>
+          </a:p>
+          <a:p>
+            <a:pPr>
+              <a:buFont typeface="+mj-lt"/>
+              <a:buAutoNum type="arabicPeriod"/>
+            </a:pPr>
+            <a:r>
+              <a:rPr lang="zh-CN" altLang="en-US" b="1" dirty="0"/>
+              <a:t>两条性格路线都未破坏模型基础结构（多数 </a:t>
+            </a:r>
+            <a:r>
+              <a:rPr lang="en-US" altLang="zh-CN" b="1" dirty="0"/>
+              <a:t>KL &lt; 0.05 bits</a:t>
+            </a:r>
+            <a:r>
+              <a:rPr lang="zh-CN" altLang="en-US" b="1" dirty="0"/>
+              <a:t>），但可有针对性地调节情绪基调与输出均衡度。</a:t>
+            </a:r>
+            <a:endParaRPr lang="zh-CN" altLang="en-US" dirty="0"/>
+          </a:p>
+        </p:txBody>
+      </p:sp>
+    </p:spTree>
+    <p:extLst>
+      <p:ext uri="{BB962C8B-B14F-4D97-AF65-F5344CB8AC3E}">
+        <p14:creationId xmlns:p14="http://schemas.microsoft.com/office/powerpoint/2010/main" val="1401844160"/>
       </p:ext>
     </p:extLst>
   </p:cSld>
